--- a/design-revise.pptx
+++ b/design-revise.pptx
@@ -8,7 +8,7 @@
     <p:sldId id="256" r:id="rId2"/>
   </p:sldIdLst>
   <p:sldSz cx="6858000" cy="12192000"/>
-  <p:notesSz cx="6858000" cy="9144000"/>
+  <p:notesSz cx="6797675" cy="9928225"/>
   <p:defaultTextStyle>
     <a:defPPr>
       <a:defRPr lang="ko-KR"/>
@@ -104,6 +104,11 @@
       </a:defRPr>
     </a:lvl9pPr>
   </p:defaultTextStyle>
+  <p:extLst>
+    <p:ext uri="{EFAFB233-063F-42B5-8137-9DF3F51BA10A}">
+      <p15:sldGuideLst xmlns:p15="http://schemas.microsoft.com/office/powerpoint/2012/main"/>
+    </p:ext>
+  </p:extLst>
 </p:presentation>
 </file>
 
@@ -4922,7 +4927,7 @@
         </p:blipFill>
         <p:spPr>
           <a:xfrm>
-            <a:off x="650935" y="7563585"/>
+            <a:off x="622360" y="7563585"/>
             <a:ext cx="6225418" cy="1835045"/>
           </a:xfrm>
           <a:prstGeom prst="rect">
@@ -5466,7 +5471,7 @@
         </p:nvSpPr>
         <p:spPr>
           <a:xfrm>
-            <a:off x="7048066" y="3632725"/>
+            <a:off x="2137241" y="9255737"/>
             <a:ext cx="2675521" cy="2585323"/>
           </a:xfrm>
           <a:prstGeom prst="rect">
